--- a/PHASE1PPT.pptx
+++ b/PHASE1PPT.pptx
@@ -11,6 +11,15 @@
     <p:sldId id="259" r:id="rId5"/>
     <p:sldId id="260" r:id="rId6"/>
     <p:sldId id="261" r:id="rId7"/>
+    <p:sldId id="262" r:id="rId8"/>
+    <p:sldId id="263" r:id="rId9"/>
+    <p:sldId id="264" r:id="rId10"/>
+    <p:sldId id="265" r:id="rId11"/>
+    <p:sldId id="266" r:id="rId12"/>
+    <p:sldId id="267" r:id="rId13"/>
+    <p:sldId id="268" r:id="rId14"/>
+    <p:sldId id="269" r:id="rId15"/>
+    <p:sldId id="270" r:id="rId16"/>
   </p:sldIdLst>
   <p:sldSz cx="12192000" cy="6858000"/>
   <p:notesSz cx="6858000" cy="9144000"/>
@@ -109,6 +118,11 @@
       </a:defRPr>
     </a:lvl9pPr>
   </p:defaultTextStyle>
+  <p:extLst>
+    <p:ext uri="{EFAFB233-063F-42B5-8137-9DF3F51BA10A}">
+      <p15:sldGuideLst xmlns:p15="http://schemas.microsoft.com/office/powerpoint/2012/main"/>
+    </p:ext>
+  </p:extLst>
 </p:presentation>
 </file>
 
@@ -3468,6 +3482,566 @@
 </p:sld>
 </file>
 
+<file path=ppt/slides/slide10.xml><?xml version="1.0" encoding="utf-8"?>
+<p:sld xmlns:a="http://schemas.openxmlformats.org/drawingml/2006/main" xmlns:r="http://schemas.openxmlformats.org/officeDocument/2006/relationships" xmlns:p="http://schemas.openxmlformats.org/presentationml/2006/main">
+  <p:cSld>
+    <p:spTree>
+      <p:nvGrpSpPr>
+        <p:cNvPr id="1" name=""/>
+        <p:cNvGrpSpPr/>
+        <p:nvPr/>
+      </p:nvGrpSpPr>
+      <p:grpSpPr>
+        <a:xfrm>
+          <a:off x="0" y="0"/>
+          <a:ext cx="0" cy="0"/>
+          <a:chOff x="0" y="0"/>
+          <a:chExt cx="0" cy="0"/>
+        </a:xfrm>
+      </p:grpSpPr>
+      <p:sp>
+        <p:nvSpPr>
+          <p:cNvPr id="2" name="Title 1">
+            <a:extLst>
+              <a:ext uri="{FF2B5EF4-FFF2-40B4-BE49-F238E27FC236}">
+                <a16:creationId xmlns:a16="http://schemas.microsoft.com/office/drawing/2014/main" id="{422A6879-B76F-4EF4-AA7D-53740DC27A14}"/>
+              </a:ext>
+            </a:extLst>
+          </p:cNvPr>
+          <p:cNvSpPr>
+            <a:spLocks noGrp="1"/>
+          </p:cNvSpPr>
+          <p:nvPr>
+            <p:ph type="title"/>
+          </p:nvPr>
+        </p:nvSpPr>
+        <p:spPr/>
+        <p:txBody>
+          <a:bodyPr/>
+          <a:lstStyle/>
+          <a:p>
+            <a:r>
+              <a:rPr lang="en-US" b="1" dirty="0">
+                <a:latin typeface="Algerian" panose="04020705040A02060702" pitchFamily="82" charset="0"/>
+              </a:rPr>
+              <a:t>PRODUCTION COSTS VS PRODUCTIVITY</a:t>
+            </a:r>
+          </a:p>
+        </p:txBody>
+      </p:sp>
+      <p:pic>
+        <p:nvPicPr>
+          <p:cNvPr id="8" name="Content Placeholder 7">
+            <a:extLst>
+              <a:ext uri="{FF2B5EF4-FFF2-40B4-BE49-F238E27FC236}">
+                <a16:creationId xmlns:a16="http://schemas.microsoft.com/office/drawing/2014/main" id="{5E1EE9DD-1A32-4361-8C96-CFA7EA801354}"/>
+              </a:ext>
+            </a:extLst>
+          </p:cNvPr>
+          <p:cNvPicPr>
+            <a:picLocks noGrp="1" noChangeAspect="1"/>
+          </p:cNvPicPr>
+          <p:nvPr>
+            <p:ph idx="1"/>
+          </p:nvPr>
+        </p:nvPicPr>
+        <p:blipFill>
+          <a:blip r:embed="rId2">
+            <a:extLst>
+              <a:ext uri="{28A0092B-C50C-407E-A947-70E740481C1C}">
+                <a14:useLocalDpi xmlns:a14="http://schemas.microsoft.com/office/drawing/2010/main" val="0"/>
+              </a:ext>
+            </a:extLst>
+          </a:blip>
+          <a:stretch>
+            <a:fillRect/>
+          </a:stretch>
+        </p:blipFill>
+        <p:spPr>
+          <a:xfrm>
+            <a:off x="1395167" y="1825625"/>
+            <a:ext cx="9059159" cy="4351338"/>
+          </a:xfrm>
+        </p:spPr>
+      </p:pic>
+    </p:spTree>
+    <p:extLst>
+      <p:ext uri="{BB962C8B-B14F-4D97-AF65-F5344CB8AC3E}">
+        <p14:creationId xmlns:p14="http://schemas.microsoft.com/office/powerpoint/2010/main" val="866738033"/>
+      </p:ext>
+    </p:extLst>
+  </p:cSld>
+  <p:clrMapOvr>
+    <a:masterClrMapping/>
+  </p:clrMapOvr>
+</p:sld>
+</file>
+
+<file path=ppt/slides/slide11.xml><?xml version="1.0" encoding="utf-8"?>
+<p:sld xmlns:a="http://schemas.openxmlformats.org/drawingml/2006/main" xmlns:r="http://schemas.openxmlformats.org/officeDocument/2006/relationships" xmlns:p="http://schemas.openxmlformats.org/presentationml/2006/main">
+  <p:cSld>
+    <p:spTree>
+      <p:nvGrpSpPr>
+        <p:cNvPr id="1" name=""/>
+        <p:cNvGrpSpPr/>
+        <p:nvPr/>
+      </p:nvGrpSpPr>
+      <p:grpSpPr>
+        <a:xfrm>
+          <a:off x="0" y="0"/>
+          <a:ext cx="0" cy="0"/>
+          <a:chOff x="0" y="0"/>
+          <a:chExt cx="0" cy="0"/>
+        </a:xfrm>
+      </p:grpSpPr>
+      <p:sp>
+        <p:nvSpPr>
+          <p:cNvPr id="2" name="Title 1">
+            <a:extLst>
+              <a:ext uri="{FF2B5EF4-FFF2-40B4-BE49-F238E27FC236}">
+                <a16:creationId xmlns:a16="http://schemas.microsoft.com/office/drawing/2014/main" id="{12EB4BE5-F9F8-4F57-83DD-4A6F3EBA1949}"/>
+              </a:ext>
+            </a:extLst>
+          </p:cNvPr>
+          <p:cNvSpPr>
+            <a:spLocks noGrp="1"/>
+          </p:cNvSpPr>
+          <p:nvPr>
+            <p:ph type="title"/>
+          </p:nvPr>
+        </p:nvSpPr>
+        <p:spPr/>
+        <p:txBody>
+          <a:bodyPr/>
+          <a:lstStyle/>
+          <a:p>
+            <a:r>
+              <a:rPr lang="en-US" b="1" dirty="0">
+                <a:latin typeface="Algerian" panose="04020705040A02060702" pitchFamily="82" charset="0"/>
+              </a:rPr>
+              <a:t>POPULAR MOVIES CATEGORIZD BY ORIGINAL LANGUAGE</a:t>
+            </a:r>
+          </a:p>
+        </p:txBody>
+      </p:sp>
+      <p:pic>
+        <p:nvPicPr>
+          <p:cNvPr id="5" name="Content Placeholder 4">
+            <a:extLst>
+              <a:ext uri="{FF2B5EF4-FFF2-40B4-BE49-F238E27FC236}">
+                <a16:creationId xmlns:a16="http://schemas.microsoft.com/office/drawing/2014/main" id="{CCD88DEE-F7DA-4049-91EB-296DDC025717}"/>
+              </a:ext>
+            </a:extLst>
+          </p:cNvPr>
+          <p:cNvPicPr>
+            <a:picLocks noGrp="1" noChangeAspect="1"/>
+          </p:cNvPicPr>
+          <p:nvPr>
+            <p:ph idx="1"/>
+          </p:nvPr>
+        </p:nvPicPr>
+        <p:blipFill>
+          <a:blip r:embed="rId2">
+            <a:extLst>
+              <a:ext uri="{28A0092B-C50C-407E-A947-70E740481C1C}">
+                <a14:useLocalDpi xmlns:a14="http://schemas.microsoft.com/office/drawing/2010/main" val="0"/>
+              </a:ext>
+            </a:extLst>
+          </a:blip>
+          <a:stretch>
+            <a:fillRect/>
+          </a:stretch>
+        </p:blipFill>
+        <p:spPr>
+          <a:xfrm>
+            <a:off x="1008668" y="1930174"/>
+            <a:ext cx="10218554" cy="4376358"/>
+          </a:xfrm>
+        </p:spPr>
+      </p:pic>
+    </p:spTree>
+    <p:extLst>
+      <p:ext uri="{BB962C8B-B14F-4D97-AF65-F5344CB8AC3E}">
+        <p14:creationId xmlns:p14="http://schemas.microsoft.com/office/powerpoint/2010/main" val="81719410"/>
+      </p:ext>
+    </p:extLst>
+  </p:cSld>
+  <p:clrMapOvr>
+    <a:masterClrMapping/>
+  </p:clrMapOvr>
+</p:sld>
+</file>
+
+<file path=ppt/slides/slide12.xml><?xml version="1.0" encoding="utf-8"?>
+<p:sld xmlns:a="http://schemas.openxmlformats.org/drawingml/2006/main" xmlns:r="http://schemas.openxmlformats.org/officeDocument/2006/relationships" xmlns:p="http://schemas.openxmlformats.org/presentationml/2006/main">
+  <p:cSld>
+    <p:spTree>
+      <p:nvGrpSpPr>
+        <p:cNvPr id="1" name=""/>
+        <p:cNvGrpSpPr/>
+        <p:nvPr/>
+      </p:nvGrpSpPr>
+      <p:grpSpPr>
+        <a:xfrm>
+          <a:off x="0" y="0"/>
+          <a:ext cx="0" cy="0"/>
+          <a:chOff x="0" y="0"/>
+          <a:chExt cx="0" cy="0"/>
+        </a:xfrm>
+      </p:grpSpPr>
+      <p:sp>
+        <p:nvSpPr>
+          <p:cNvPr id="2" name="Title 1">
+            <a:extLst>
+              <a:ext uri="{FF2B5EF4-FFF2-40B4-BE49-F238E27FC236}">
+                <a16:creationId xmlns:a16="http://schemas.microsoft.com/office/drawing/2014/main" id="{A6A93F1A-2FB6-482B-8CC8-180D5D3F7A96}"/>
+              </a:ext>
+            </a:extLst>
+          </p:cNvPr>
+          <p:cNvSpPr>
+            <a:spLocks noGrp="1"/>
+          </p:cNvSpPr>
+          <p:nvPr>
+            <p:ph type="title"/>
+          </p:nvPr>
+        </p:nvSpPr>
+        <p:spPr/>
+        <p:txBody>
+          <a:bodyPr/>
+          <a:lstStyle/>
+          <a:p>
+            <a:r>
+              <a:rPr lang="en-US" b="1" dirty="0">
+                <a:latin typeface="Algerian" panose="04020705040A02060702" pitchFamily="82" charset="0"/>
+              </a:rPr>
+              <a:t>POPULARITY VS PROFIT MARGINS</a:t>
+            </a:r>
+          </a:p>
+        </p:txBody>
+      </p:sp>
+      <p:pic>
+        <p:nvPicPr>
+          <p:cNvPr id="5" name="Content Placeholder 4">
+            <a:extLst>
+              <a:ext uri="{FF2B5EF4-FFF2-40B4-BE49-F238E27FC236}">
+                <a16:creationId xmlns:a16="http://schemas.microsoft.com/office/drawing/2014/main" id="{B3FD4026-35B4-4B6E-817C-18746E4D4B5F}"/>
+              </a:ext>
+            </a:extLst>
+          </p:cNvPr>
+          <p:cNvPicPr>
+            <a:picLocks noGrp="1" noChangeAspect="1"/>
+          </p:cNvPicPr>
+          <p:nvPr>
+            <p:ph idx="1"/>
+          </p:nvPr>
+        </p:nvPicPr>
+        <p:blipFill>
+          <a:blip r:embed="rId2">
+            <a:extLst>
+              <a:ext uri="{28A0092B-C50C-407E-A947-70E740481C1C}">
+                <a14:useLocalDpi xmlns:a14="http://schemas.microsoft.com/office/drawing/2010/main" val="0"/>
+              </a:ext>
+            </a:extLst>
+          </a:blip>
+          <a:stretch>
+            <a:fillRect/>
+          </a:stretch>
+        </p:blipFill>
+        <p:spPr>
+          <a:xfrm>
+            <a:off x="1178351" y="1885360"/>
+            <a:ext cx="9857308" cy="4496585"/>
+          </a:xfrm>
+        </p:spPr>
+      </p:pic>
+    </p:spTree>
+    <p:extLst>
+      <p:ext uri="{BB962C8B-B14F-4D97-AF65-F5344CB8AC3E}">
+        <p14:creationId xmlns:p14="http://schemas.microsoft.com/office/powerpoint/2010/main" val="2769500297"/>
+      </p:ext>
+    </p:extLst>
+  </p:cSld>
+  <p:clrMapOvr>
+    <a:masterClrMapping/>
+  </p:clrMapOvr>
+</p:sld>
+</file>
+
+<file path=ppt/slides/slide13.xml><?xml version="1.0" encoding="utf-8"?>
+<p:sld xmlns:a="http://schemas.openxmlformats.org/drawingml/2006/main" xmlns:r="http://schemas.openxmlformats.org/officeDocument/2006/relationships" xmlns:p="http://schemas.openxmlformats.org/presentationml/2006/main">
+  <p:cSld>
+    <p:spTree>
+      <p:nvGrpSpPr>
+        <p:cNvPr id="1" name=""/>
+        <p:cNvGrpSpPr/>
+        <p:nvPr/>
+      </p:nvGrpSpPr>
+      <p:grpSpPr>
+        <a:xfrm>
+          <a:off x="0" y="0"/>
+          <a:ext cx="0" cy="0"/>
+          <a:chOff x="0" y="0"/>
+          <a:chExt cx="0" cy="0"/>
+        </a:xfrm>
+      </p:grpSpPr>
+      <p:sp>
+        <p:nvSpPr>
+          <p:cNvPr id="2" name="Title 1">
+            <a:extLst>
+              <a:ext uri="{FF2B5EF4-FFF2-40B4-BE49-F238E27FC236}">
+                <a16:creationId xmlns:a16="http://schemas.microsoft.com/office/drawing/2014/main" id="{C1C405E7-FC00-4C87-9FEC-F762EDC691E8}"/>
+              </a:ext>
+            </a:extLst>
+          </p:cNvPr>
+          <p:cNvSpPr>
+            <a:spLocks noGrp="1"/>
+          </p:cNvSpPr>
+          <p:nvPr>
+            <p:ph type="title"/>
+          </p:nvPr>
+        </p:nvSpPr>
+        <p:spPr/>
+        <p:txBody>
+          <a:bodyPr/>
+          <a:lstStyle/>
+          <a:p>
+            <a:r>
+              <a:rPr lang="en-US" b="1" dirty="0">
+                <a:latin typeface="Algerian" panose="04020705040A02060702" pitchFamily="82" charset="0"/>
+              </a:rPr>
+              <a:t>POPULARITY VS VOTE COUNT</a:t>
+            </a:r>
+          </a:p>
+        </p:txBody>
+      </p:sp>
+      <p:pic>
+        <p:nvPicPr>
+          <p:cNvPr id="5" name="Content Placeholder 4">
+            <a:extLst>
+              <a:ext uri="{FF2B5EF4-FFF2-40B4-BE49-F238E27FC236}">
+                <a16:creationId xmlns:a16="http://schemas.microsoft.com/office/drawing/2014/main" id="{42A8068B-2DD1-447B-BB96-AA85E4F8D229}"/>
+              </a:ext>
+            </a:extLst>
+          </p:cNvPr>
+          <p:cNvPicPr>
+            <a:picLocks noGrp="1" noChangeAspect="1"/>
+          </p:cNvPicPr>
+          <p:nvPr>
+            <p:ph idx="1"/>
+          </p:nvPr>
+        </p:nvPicPr>
+        <p:blipFill>
+          <a:blip r:embed="rId2">
+            <a:extLst>
+              <a:ext uri="{28A0092B-C50C-407E-A947-70E740481C1C}">
+                <a14:useLocalDpi xmlns:a14="http://schemas.microsoft.com/office/drawing/2010/main" val="0"/>
+              </a:ext>
+            </a:extLst>
+          </a:blip>
+          <a:stretch>
+            <a:fillRect/>
+          </a:stretch>
+        </p:blipFill>
+        <p:spPr>
+          <a:xfrm>
+            <a:off x="622169" y="1690688"/>
+            <a:ext cx="10214071" cy="4870368"/>
+          </a:xfrm>
+        </p:spPr>
+      </p:pic>
+    </p:spTree>
+    <p:extLst>
+      <p:ext uri="{BB962C8B-B14F-4D97-AF65-F5344CB8AC3E}">
+        <p14:creationId xmlns:p14="http://schemas.microsoft.com/office/powerpoint/2010/main" val="1355698962"/>
+      </p:ext>
+    </p:extLst>
+  </p:cSld>
+  <p:clrMapOvr>
+    <a:masterClrMapping/>
+  </p:clrMapOvr>
+</p:sld>
+</file>
+
+<file path=ppt/slides/slide14.xml><?xml version="1.0" encoding="utf-8"?>
+<p:sld xmlns:a="http://schemas.openxmlformats.org/drawingml/2006/main" xmlns:r="http://schemas.openxmlformats.org/officeDocument/2006/relationships" xmlns:p="http://schemas.openxmlformats.org/presentationml/2006/main">
+  <p:cSld>
+    <p:spTree>
+      <p:nvGrpSpPr>
+        <p:cNvPr id="1" name=""/>
+        <p:cNvGrpSpPr/>
+        <p:nvPr/>
+      </p:nvGrpSpPr>
+      <p:grpSpPr>
+        <a:xfrm>
+          <a:off x="0" y="0"/>
+          <a:ext cx="0" cy="0"/>
+          <a:chOff x="0" y="0"/>
+          <a:chExt cx="0" cy="0"/>
+        </a:xfrm>
+      </p:grpSpPr>
+      <p:sp>
+        <p:nvSpPr>
+          <p:cNvPr id="2" name="Title 1">
+            <a:extLst>
+              <a:ext uri="{FF2B5EF4-FFF2-40B4-BE49-F238E27FC236}">
+                <a16:creationId xmlns:a16="http://schemas.microsoft.com/office/drawing/2014/main" id="{A9979CDB-C12C-44AA-84FC-FCC40301C875}"/>
+              </a:ext>
+            </a:extLst>
+          </p:cNvPr>
+          <p:cNvSpPr>
+            <a:spLocks noGrp="1"/>
+          </p:cNvSpPr>
+          <p:nvPr>
+            <p:ph type="title"/>
+          </p:nvPr>
+        </p:nvSpPr>
+        <p:spPr/>
+        <p:txBody>
+          <a:bodyPr/>
+          <a:lstStyle/>
+          <a:p>
+            <a:r>
+              <a:rPr lang="en-US" b="1" dirty="0">
+                <a:latin typeface="Algerian" panose="04020705040A02060702" pitchFamily="82" charset="0"/>
+              </a:rPr>
+              <a:t>FOREIGN GROSS SALES PER YEAR</a:t>
+            </a:r>
+          </a:p>
+        </p:txBody>
+      </p:sp>
+      <p:pic>
+        <p:nvPicPr>
+          <p:cNvPr id="5" name="Content Placeholder 4">
+            <a:extLst>
+              <a:ext uri="{FF2B5EF4-FFF2-40B4-BE49-F238E27FC236}">
+                <a16:creationId xmlns:a16="http://schemas.microsoft.com/office/drawing/2014/main" id="{E37D3FDD-5A2B-4192-ABB0-D529AA5F525B}"/>
+              </a:ext>
+            </a:extLst>
+          </p:cNvPr>
+          <p:cNvPicPr>
+            <a:picLocks noGrp="1" noChangeAspect="1"/>
+          </p:cNvPicPr>
+          <p:nvPr>
+            <p:ph idx="1"/>
+          </p:nvPr>
+        </p:nvPicPr>
+        <p:blipFill>
+          <a:blip r:embed="rId2">
+            <a:extLst>
+              <a:ext uri="{28A0092B-C50C-407E-A947-70E740481C1C}">
+                <a14:useLocalDpi xmlns:a14="http://schemas.microsoft.com/office/drawing/2010/main" val="0"/>
+              </a:ext>
+            </a:extLst>
+          </a:blip>
+          <a:stretch>
+            <a:fillRect/>
+          </a:stretch>
+        </p:blipFill>
+        <p:spPr>
+          <a:xfrm>
+            <a:off x="1197204" y="1690688"/>
+            <a:ext cx="9772384" cy="4474442"/>
+          </a:xfrm>
+        </p:spPr>
+      </p:pic>
+    </p:spTree>
+    <p:extLst>
+      <p:ext uri="{BB962C8B-B14F-4D97-AF65-F5344CB8AC3E}">
+        <p14:creationId xmlns:p14="http://schemas.microsoft.com/office/powerpoint/2010/main" val="4087629011"/>
+      </p:ext>
+    </p:extLst>
+  </p:cSld>
+  <p:clrMapOvr>
+    <a:masterClrMapping/>
+  </p:clrMapOvr>
+</p:sld>
+</file>
+
+<file path=ppt/slides/slide15.xml><?xml version="1.0" encoding="utf-8"?>
+<p:sld xmlns:a="http://schemas.openxmlformats.org/drawingml/2006/main" xmlns:r="http://schemas.openxmlformats.org/officeDocument/2006/relationships" xmlns:p="http://schemas.openxmlformats.org/presentationml/2006/main">
+  <p:cSld>
+    <p:spTree>
+      <p:nvGrpSpPr>
+        <p:cNvPr id="1" name=""/>
+        <p:cNvGrpSpPr/>
+        <p:nvPr/>
+      </p:nvGrpSpPr>
+      <p:grpSpPr>
+        <a:xfrm>
+          <a:off x="0" y="0"/>
+          <a:ext cx="0" cy="0"/>
+          <a:chOff x="0" y="0"/>
+          <a:chExt cx="0" cy="0"/>
+        </a:xfrm>
+      </p:grpSpPr>
+      <p:sp>
+        <p:nvSpPr>
+          <p:cNvPr id="2" name="Title 1">
+            <a:extLst>
+              <a:ext uri="{FF2B5EF4-FFF2-40B4-BE49-F238E27FC236}">
+                <a16:creationId xmlns:a16="http://schemas.microsoft.com/office/drawing/2014/main" id="{D54B1E96-D766-4523-AF63-5082E3462197}"/>
+              </a:ext>
+            </a:extLst>
+          </p:cNvPr>
+          <p:cNvSpPr>
+            <a:spLocks noGrp="1"/>
+          </p:cNvSpPr>
+          <p:nvPr>
+            <p:ph type="title"/>
+          </p:nvPr>
+        </p:nvSpPr>
+        <p:spPr/>
+        <p:txBody>
+          <a:bodyPr/>
+          <a:lstStyle/>
+          <a:p>
+            <a:r>
+              <a:rPr lang="en-US" b="1" dirty="0">
+                <a:latin typeface="Algerian" panose="04020705040A02060702" pitchFamily="82" charset="0"/>
+              </a:rPr>
+              <a:t>RECOMMENDATIONS</a:t>
+            </a:r>
+          </a:p>
+        </p:txBody>
+      </p:sp>
+      <p:sp>
+        <p:nvSpPr>
+          <p:cNvPr id="3" name="Content Placeholder 2">
+            <a:extLst>
+              <a:ext uri="{FF2B5EF4-FFF2-40B4-BE49-F238E27FC236}">
+                <a16:creationId xmlns:a16="http://schemas.microsoft.com/office/drawing/2014/main" id="{DE12F92B-857B-4567-A0C0-334A069C4C34}"/>
+              </a:ext>
+            </a:extLst>
+          </p:cNvPr>
+          <p:cNvSpPr>
+            <a:spLocks noGrp="1"/>
+          </p:cNvSpPr>
+          <p:nvPr>
+            <p:ph idx="1"/>
+          </p:nvPr>
+        </p:nvSpPr>
+        <p:spPr/>
+        <p:txBody>
+          <a:bodyPr/>
+          <a:lstStyle/>
+          <a:p>
+            <a:endParaRPr lang="en-US" dirty="0"/>
+          </a:p>
+        </p:txBody>
+      </p:sp>
+    </p:spTree>
+    <p:extLst>
+      <p:ext uri="{BB962C8B-B14F-4D97-AF65-F5344CB8AC3E}">
+        <p14:creationId xmlns:p14="http://schemas.microsoft.com/office/powerpoint/2010/main" val="1573515401"/>
+      </p:ext>
+    </p:extLst>
+  </p:cSld>
+  <p:clrMapOvr>
+    <a:masterClrMapping/>
+  </p:clrMapOvr>
+</p:sld>
+</file>
+
 <file path=ppt/slides/slide2.xml><?xml version="1.0" encoding="utf-8"?>
 <p:sld xmlns:a="http://schemas.openxmlformats.org/drawingml/2006/main" xmlns:r="http://schemas.openxmlformats.org/officeDocument/2006/relationships" xmlns:p="http://schemas.openxmlformats.org/presentationml/2006/main">
   <p:cSld>
@@ -4156,6 +4730,305 @@
     <p:extLst>
       <p:ext uri="{BB962C8B-B14F-4D97-AF65-F5344CB8AC3E}">
         <p14:creationId xmlns:p14="http://schemas.microsoft.com/office/powerpoint/2010/main" val="413490191"/>
+      </p:ext>
+    </p:extLst>
+  </p:cSld>
+  <p:clrMapOvr>
+    <a:masterClrMapping/>
+  </p:clrMapOvr>
+</p:sld>
+</file>
+
+<file path=ppt/slides/slide7.xml><?xml version="1.0" encoding="utf-8"?>
+<p:sld xmlns:a="http://schemas.openxmlformats.org/drawingml/2006/main" xmlns:r="http://schemas.openxmlformats.org/officeDocument/2006/relationships" xmlns:p="http://schemas.openxmlformats.org/presentationml/2006/main">
+  <p:cSld>
+    <p:spTree>
+      <p:nvGrpSpPr>
+        <p:cNvPr id="1" name=""/>
+        <p:cNvGrpSpPr/>
+        <p:nvPr/>
+      </p:nvGrpSpPr>
+      <p:grpSpPr>
+        <a:xfrm>
+          <a:off x="0" y="0"/>
+          <a:ext cx="0" cy="0"/>
+          <a:chOff x="0" y="0"/>
+          <a:chExt cx="0" cy="0"/>
+        </a:xfrm>
+      </p:grpSpPr>
+      <p:sp>
+        <p:nvSpPr>
+          <p:cNvPr id="2" name="Title 1">
+            <a:extLst>
+              <a:ext uri="{FF2B5EF4-FFF2-40B4-BE49-F238E27FC236}">
+                <a16:creationId xmlns:a16="http://schemas.microsoft.com/office/drawing/2014/main" id="{68457761-3797-4E4F-AB5D-29708CCC40AE}"/>
+              </a:ext>
+            </a:extLst>
+          </p:cNvPr>
+          <p:cNvSpPr>
+            <a:spLocks noGrp="1"/>
+          </p:cNvSpPr>
+          <p:nvPr>
+            <p:ph type="title"/>
+          </p:nvPr>
+        </p:nvSpPr>
+        <p:spPr/>
+        <p:txBody>
+          <a:bodyPr/>
+          <a:lstStyle/>
+          <a:p>
+            <a:r>
+              <a:rPr lang="en-US" dirty="0">
+                <a:latin typeface="Algerian" panose="04020705040A02060702" pitchFamily="82" charset="0"/>
+              </a:rPr>
+              <a:t>VISUALIZATIONS FROM OUR DATA ANALYSIS</a:t>
+            </a:r>
+          </a:p>
+        </p:txBody>
+      </p:sp>
+      <p:pic>
+        <p:nvPicPr>
+          <p:cNvPr id="1026" name="Picture 2" descr="43,937 Visualization Stock Photos - Free &amp; Royalty-Free Stock Photos from  Dreamstime">
+            <a:extLst>
+              <a:ext uri="{FF2B5EF4-FFF2-40B4-BE49-F238E27FC236}">
+                <a16:creationId xmlns:a16="http://schemas.microsoft.com/office/drawing/2014/main" id="{A163F2D5-504F-46D7-B770-C99B96F262FF}"/>
+              </a:ext>
+            </a:extLst>
+          </p:cNvPr>
+          <p:cNvPicPr>
+            <a:picLocks noGrp="1" noChangeAspect="1" noChangeArrowheads="1"/>
+          </p:cNvPicPr>
+          <p:nvPr>
+            <p:ph idx="1"/>
+          </p:nvPr>
+        </p:nvPicPr>
+        <p:blipFill>
+          <a:blip r:embed="rId2">
+            <a:extLst>
+              <a:ext uri="{28A0092B-C50C-407E-A947-70E740481C1C}">
+                <a14:useLocalDpi xmlns:a14="http://schemas.microsoft.com/office/drawing/2010/main" val="0"/>
+              </a:ext>
+            </a:extLst>
+          </a:blip>
+          <a:srcRect/>
+          <a:stretch>
+            <a:fillRect/>
+          </a:stretch>
+        </p:blipFill>
+        <p:spPr bwMode="auto">
+          <a:xfrm>
+            <a:off x="1055802" y="1825624"/>
+            <a:ext cx="10297998" cy="4763711"/>
+          </a:xfrm>
+          <a:prstGeom prst="rect">
+            <a:avLst/>
+          </a:prstGeom>
+          <a:noFill/>
+          <a:extLst>
+            <a:ext uri="{909E8E84-426E-40DD-AFC4-6F175D3DCCD1}">
+              <a14:hiddenFill xmlns:a14="http://schemas.microsoft.com/office/drawing/2010/main">
+                <a:solidFill>
+                  <a:srgbClr val="FFFFFF"/>
+                </a:solidFill>
+              </a14:hiddenFill>
+            </a:ext>
+          </a:extLst>
+        </p:spPr>
+      </p:pic>
+    </p:spTree>
+    <p:extLst>
+      <p:ext uri="{BB962C8B-B14F-4D97-AF65-F5344CB8AC3E}">
+        <p14:creationId xmlns:p14="http://schemas.microsoft.com/office/powerpoint/2010/main" val="3046082805"/>
+      </p:ext>
+    </p:extLst>
+  </p:cSld>
+  <p:clrMapOvr>
+    <a:masterClrMapping/>
+  </p:clrMapOvr>
+</p:sld>
+</file>
+
+<file path=ppt/slides/slide8.xml><?xml version="1.0" encoding="utf-8"?>
+<p:sld xmlns:a="http://schemas.openxmlformats.org/drawingml/2006/main" xmlns:r="http://schemas.openxmlformats.org/officeDocument/2006/relationships" xmlns:p="http://schemas.openxmlformats.org/presentationml/2006/main">
+  <p:cSld>
+    <p:spTree>
+      <p:nvGrpSpPr>
+        <p:cNvPr id="1" name=""/>
+        <p:cNvGrpSpPr/>
+        <p:nvPr/>
+      </p:nvGrpSpPr>
+      <p:grpSpPr>
+        <a:xfrm>
+          <a:off x="0" y="0"/>
+          <a:ext cx="0" cy="0"/>
+          <a:chOff x="0" y="0"/>
+          <a:chExt cx="0" cy="0"/>
+        </a:xfrm>
+      </p:grpSpPr>
+      <p:sp>
+        <p:nvSpPr>
+          <p:cNvPr id="2" name="Title 1">
+            <a:extLst>
+              <a:ext uri="{FF2B5EF4-FFF2-40B4-BE49-F238E27FC236}">
+                <a16:creationId xmlns:a16="http://schemas.microsoft.com/office/drawing/2014/main" id="{23331E5A-1181-4ADB-92FF-77D85E26A6BF}"/>
+              </a:ext>
+            </a:extLst>
+          </p:cNvPr>
+          <p:cNvSpPr>
+            <a:spLocks noGrp="1"/>
+          </p:cNvSpPr>
+          <p:nvPr>
+            <p:ph type="title"/>
+          </p:nvPr>
+        </p:nvSpPr>
+        <p:spPr/>
+        <p:txBody>
+          <a:bodyPr/>
+          <a:lstStyle/>
+          <a:p>
+            <a:r>
+              <a:rPr lang="en-US" b="1" dirty="0">
+                <a:latin typeface="Algerian" panose="04020705040A02060702" pitchFamily="82" charset="0"/>
+              </a:rPr>
+              <a:t>TOP 10 MOVIE GENRES ON  THE BOX OFFICE</a:t>
+            </a:r>
+          </a:p>
+        </p:txBody>
+      </p:sp>
+      <p:pic>
+        <p:nvPicPr>
+          <p:cNvPr id="5" name="Content Placeholder 4">
+            <a:extLst>
+              <a:ext uri="{FF2B5EF4-FFF2-40B4-BE49-F238E27FC236}">
+                <a16:creationId xmlns:a16="http://schemas.microsoft.com/office/drawing/2014/main" id="{56D2DB9F-2481-4771-9106-4A46BC4CFB8E}"/>
+              </a:ext>
+            </a:extLst>
+          </p:cNvPr>
+          <p:cNvPicPr>
+            <a:picLocks noGrp="1" noChangeAspect="1"/>
+          </p:cNvPicPr>
+          <p:nvPr>
+            <p:ph idx="1"/>
+          </p:nvPr>
+        </p:nvPicPr>
+        <p:blipFill>
+          <a:blip r:embed="rId2">
+            <a:extLst>
+              <a:ext uri="{28A0092B-C50C-407E-A947-70E740481C1C}">
+                <a14:useLocalDpi xmlns:a14="http://schemas.microsoft.com/office/drawing/2010/main" val="0"/>
+              </a:ext>
+            </a:extLst>
+          </a:blip>
+          <a:stretch>
+            <a:fillRect/>
+          </a:stretch>
+        </p:blipFill>
+        <p:spPr>
+          <a:xfrm>
+            <a:off x="499620" y="1930173"/>
+            <a:ext cx="11210889" cy="4150115"/>
+          </a:xfrm>
+        </p:spPr>
+      </p:pic>
+    </p:spTree>
+    <p:extLst>
+      <p:ext uri="{BB962C8B-B14F-4D97-AF65-F5344CB8AC3E}">
+        <p14:creationId xmlns:p14="http://schemas.microsoft.com/office/powerpoint/2010/main" val="2497379348"/>
+      </p:ext>
+    </p:extLst>
+  </p:cSld>
+  <p:clrMapOvr>
+    <a:masterClrMapping/>
+  </p:clrMapOvr>
+</p:sld>
+</file>
+
+<file path=ppt/slides/slide9.xml><?xml version="1.0" encoding="utf-8"?>
+<p:sld xmlns:a="http://schemas.openxmlformats.org/drawingml/2006/main" xmlns:r="http://schemas.openxmlformats.org/officeDocument/2006/relationships" xmlns:p="http://schemas.openxmlformats.org/presentationml/2006/main">
+  <p:cSld>
+    <p:spTree>
+      <p:nvGrpSpPr>
+        <p:cNvPr id="1" name=""/>
+        <p:cNvGrpSpPr/>
+        <p:nvPr/>
+      </p:nvGrpSpPr>
+      <p:grpSpPr>
+        <a:xfrm>
+          <a:off x="0" y="0"/>
+          <a:ext cx="0" cy="0"/>
+          <a:chOff x="0" y="0"/>
+          <a:chExt cx="0" cy="0"/>
+        </a:xfrm>
+      </p:grpSpPr>
+      <p:sp>
+        <p:nvSpPr>
+          <p:cNvPr id="2" name="Title 1">
+            <a:extLst>
+              <a:ext uri="{FF2B5EF4-FFF2-40B4-BE49-F238E27FC236}">
+                <a16:creationId xmlns:a16="http://schemas.microsoft.com/office/drawing/2014/main" id="{28EF8E63-7943-4C3D-A1ED-2BE733671A5D}"/>
+              </a:ext>
+            </a:extLst>
+          </p:cNvPr>
+          <p:cNvSpPr>
+            <a:spLocks noGrp="1"/>
+          </p:cNvSpPr>
+          <p:nvPr>
+            <p:ph type="title"/>
+          </p:nvPr>
+        </p:nvSpPr>
+        <p:spPr/>
+        <p:txBody>
+          <a:bodyPr/>
+          <a:lstStyle/>
+          <a:p>
+            <a:r>
+              <a:rPr lang="en-US" b="1" dirty="0">
+                <a:latin typeface="Algerian" panose="04020705040A02060702" pitchFamily="82" charset="0"/>
+              </a:rPr>
+              <a:t>TOP 10 MOVIE DIRECTORS IN THE BOX OFFICE</a:t>
+            </a:r>
+          </a:p>
+        </p:txBody>
+      </p:sp>
+      <p:pic>
+        <p:nvPicPr>
+          <p:cNvPr id="5" name="Content Placeholder 4">
+            <a:extLst>
+              <a:ext uri="{FF2B5EF4-FFF2-40B4-BE49-F238E27FC236}">
+                <a16:creationId xmlns:a16="http://schemas.microsoft.com/office/drawing/2014/main" id="{A9964811-30C9-4899-AEF0-B724BE0CCA93}"/>
+              </a:ext>
+            </a:extLst>
+          </p:cNvPr>
+          <p:cNvPicPr>
+            <a:picLocks noGrp="1" noChangeAspect="1"/>
+          </p:cNvPicPr>
+          <p:nvPr>
+            <p:ph idx="1"/>
+          </p:nvPr>
+        </p:nvPicPr>
+        <p:blipFill>
+          <a:blip r:embed="rId2">
+            <a:extLst>
+              <a:ext uri="{28A0092B-C50C-407E-A947-70E740481C1C}">
+                <a14:useLocalDpi xmlns:a14="http://schemas.microsoft.com/office/drawing/2010/main" val="0"/>
+              </a:ext>
+            </a:extLst>
+          </a:blip>
+          <a:stretch>
+            <a:fillRect/>
+          </a:stretch>
+        </p:blipFill>
+        <p:spPr>
+          <a:xfrm>
+            <a:off x="1753386" y="1740869"/>
+            <a:ext cx="7927942" cy="4752006"/>
+          </a:xfrm>
+        </p:spPr>
+      </p:pic>
+    </p:spTree>
+    <p:extLst>
+      <p:ext uri="{BB962C8B-B14F-4D97-AF65-F5344CB8AC3E}">
+        <p14:creationId xmlns:p14="http://schemas.microsoft.com/office/powerpoint/2010/main" val="2231262075"/>
       </p:ext>
     </p:extLst>
   </p:cSld>

--- a/PHASE1PPT.pptx
+++ b/PHASE1PPT.pptx
@@ -20,6 +20,11 @@
     <p:sldId id="268" r:id="rId14"/>
     <p:sldId id="269" r:id="rId15"/>
     <p:sldId id="270" r:id="rId16"/>
+    <p:sldId id="271" r:id="rId17"/>
+    <p:sldId id="272" r:id="rId18"/>
+    <p:sldId id="273" r:id="rId19"/>
+    <p:sldId id="276" r:id="rId20"/>
+    <p:sldId id="275" r:id="rId21"/>
   </p:sldIdLst>
   <p:sldSz cx="12192000" cy="6858000"/>
   <p:notesSz cx="6858000" cy="9144000"/>
@@ -4004,35 +4009,570 @@
           </a:p>
         </p:txBody>
       </p:sp>
-      <p:sp>
-        <p:nvSpPr>
-          <p:cNvPr id="3" name="Content Placeholder 2">
-            <a:extLst>
-              <a:ext uri="{FF2B5EF4-FFF2-40B4-BE49-F238E27FC236}">
-                <a16:creationId xmlns:a16="http://schemas.microsoft.com/office/drawing/2014/main" id="{DE12F92B-857B-4567-A0C0-334A069C4C34}"/>
-              </a:ext>
-            </a:extLst>
-          </p:cNvPr>
-          <p:cNvSpPr>
-            <a:spLocks noGrp="1"/>
-          </p:cNvSpPr>
+      <p:pic>
+        <p:nvPicPr>
+          <p:cNvPr id="1028" name="Picture 4" descr="3d Businessman Pointing and recommending something beside the top, 3D  render businessman character illustration Stock Illustration | Adobe Stock">
+            <a:extLst>
+              <a:ext uri="{FF2B5EF4-FFF2-40B4-BE49-F238E27FC236}">
+                <a16:creationId xmlns:a16="http://schemas.microsoft.com/office/drawing/2014/main" id="{1B410C4E-12DB-4F71-882F-77783F8551BC}"/>
+              </a:ext>
+            </a:extLst>
+          </p:cNvPr>
+          <p:cNvPicPr>
+            <a:picLocks noGrp="1" noChangeAspect="1" noChangeArrowheads="1"/>
+          </p:cNvPicPr>
           <p:nvPr>
             <p:ph idx="1"/>
           </p:nvPr>
-        </p:nvSpPr>
-        <p:spPr/>
-        <p:txBody>
-          <a:bodyPr/>
-          <a:lstStyle/>
-          <a:p>
-            <a:endParaRPr lang="en-US" dirty="0"/>
-          </a:p>
-        </p:txBody>
-      </p:sp>
+        </p:nvPicPr>
+        <p:blipFill>
+          <a:blip r:embed="rId2">
+            <a:extLst>
+              <a:ext uri="{28A0092B-C50C-407E-A947-70E740481C1C}">
+                <a14:useLocalDpi xmlns:a14="http://schemas.microsoft.com/office/drawing/2010/main" val="0"/>
+              </a:ext>
+            </a:extLst>
+          </a:blip>
+          <a:srcRect/>
+          <a:stretch>
+            <a:fillRect/>
+          </a:stretch>
+        </p:blipFill>
+        <p:spPr bwMode="auto">
+          <a:xfrm>
+            <a:off x="838200" y="1762812"/>
+            <a:ext cx="9597272" cy="4619134"/>
+          </a:xfrm>
+          <a:prstGeom prst="rect">
+            <a:avLst/>
+          </a:prstGeom>
+          <a:noFill/>
+          <a:extLst>
+            <a:ext uri="{909E8E84-426E-40DD-AFC4-6F175D3DCCD1}">
+              <a14:hiddenFill xmlns:a14="http://schemas.microsoft.com/office/drawing/2010/main">
+                <a:solidFill>
+                  <a:srgbClr val="FFFFFF"/>
+                </a:solidFill>
+              </a14:hiddenFill>
+            </a:ext>
+          </a:extLst>
+        </p:spPr>
+      </p:pic>
     </p:spTree>
     <p:extLst>
       <p:ext uri="{BB962C8B-B14F-4D97-AF65-F5344CB8AC3E}">
         <p14:creationId xmlns:p14="http://schemas.microsoft.com/office/powerpoint/2010/main" val="1573515401"/>
+      </p:ext>
+    </p:extLst>
+  </p:cSld>
+  <p:clrMapOvr>
+    <a:masterClrMapping/>
+  </p:clrMapOvr>
+</p:sld>
+</file>
+
+<file path=ppt/slides/slide16.xml><?xml version="1.0" encoding="utf-8"?>
+<p:sld xmlns:a="http://schemas.openxmlformats.org/drawingml/2006/main" xmlns:r="http://schemas.openxmlformats.org/officeDocument/2006/relationships" xmlns:p="http://schemas.openxmlformats.org/presentationml/2006/main">
+  <p:cSld>
+    <p:spTree>
+      <p:nvGrpSpPr>
+        <p:cNvPr id="1" name=""/>
+        <p:cNvGrpSpPr/>
+        <p:nvPr/>
+      </p:nvGrpSpPr>
+      <p:grpSpPr>
+        <a:xfrm>
+          <a:off x="0" y="0"/>
+          <a:ext cx="0" cy="0"/>
+          <a:chOff x="0" y="0"/>
+          <a:chExt cx="0" cy="0"/>
+        </a:xfrm>
+      </p:grpSpPr>
+      <p:sp>
+        <p:nvSpPr>
+          <p:cNvPr id="2" name="Title 1">
+            <a:extLst>
+              <a:ext uri="{FF2B5EF4-FFF2-40B4-BE49-F238E27FC236}">
+                <a16:creationId xmlns:a16="http://schemas.microsoft.com/office/drawing/2014/main" id="{A0AFD1DC-7CD3-43F7-A674-261209FA5740}"/>
+              </a:ext>
+            </a:extLst>
+          </p:cNvPr>
+          <p:cNvSpPr>
+            <a:spLocks noGrp="1"/>
+          </p:cNvSpPr>
+          <p:nvPr>
+            <p:ph type="title"/>
+          </p:nvPr>
+        </p:nvSpPr>
+        <p:spPr/>
+        <p:txBody>
+          <a:bodyPr>
+            <a:normAutofit fontScale="90000"/>
+          </a:bodyPr>
+          <a:lstStyle/>
+          <a:p>
+            <a:r>
+              <a:rPr lang="en-US" sz="3100" dirty="0">
+                <a:latin typeface="+mn-lt"/>
+              </a:rPr>
+              <a:t>1.  The stakeholders should consider Movie genres: Drama, Action and Adventure, Comedies, and  kids and family when choosing type of movies to produce as they have highest box office sales from our analysis.</a:t>
+            </a:r>
+            <a:br>
+              <a:rPr lang="en-US" dirty="0"/>
+            </a:br>
+            <a:endParaRPr lang="en-US" sz="2400" dirty="0"/>
+          </a:p>
+        </p:txBody>
+      </p:sp>
+      <p:sp>
+        <p:nvSpPr>
+          <p:cNvPr id="3" name="Content Placeholder 2">
+            <a:extLst>
+              <a:ext uri="{FF2B5EF4-FFF2-40B4-BE49-F238E27FC236}">
+                <a16:creationId xmlns:a16="http://schemas.microsoft.com/office/drawing/2014/main" id="{47D17AF9-EC39-407A-8C1F-53C668AED036}"/>
+              </a:ext>
+            </a:extLst>
+          </p:cNvPr>
+          <p:cNvSpPr>
+            <a:spLocks noGrp="1"/>
+          </p:cNvSpPr>
+          <p:nvPr>
+            <p:ph idx="1"/>
+          </p:nvPr>
+        </p:nvSpPr>
+        <p:spPr/>
+        <p:txBody>
+          <a:bodyPr/>
+          <a:lstStyle/>
+          <a:p>
+            <a:r>
+              <a:rPr lang="en-US" dirty="0"/>
+              <a:t>2. The Production budget should be within $200,000,000 since production budgets beyond this amount don't have a strong                  </a:t>
+            </a:r>
+            <a:r>
+              <a:rPr lang="en-US" dirty="0" err="1"/>
+              <a:t>coorelation</a:t>
+            </a:r>
+            <a:r>
+              <a:rPr lang="en-US" dirty="0"/>
+              <a:t> to profitability.</a:t>
+            </a:r>
+          </a:p>
+          <a:p>
+            <a:r>
+              <a:rPr lang="en-US" dirty="0"/>
+              <a:t>3. Microsoft should take measures like sending reminder emails to ensures audience submit votes for their movies for their are likely to increase movie popularity and thus movie profitability.</a:t>
+            </a:r>
+          </a:p>
+          <a:p>
+            <a:endParaRPr lang="en-US" dirty="0"/>
+          </a:p>
+          <a:p>
+            <a:pPr marL="0" indent="0">
+              <a:buNone/>
+            </a:pPr>
+            <a:r>
+              <a:rPr lang="en-US" dirty="0"/>
+              <a:t>4.  Microsoft should </a:t>
+            </a:r>
+            <a:r>
+              <a:rPr lang="en-US" dirty="0" err="1"/>
+              <a:t>liase</a:t>
+            </a:r>
+            <a:r>
+              <a:rPr lang="en-US" dirty="0"/>
+              <a:t> with top </a:t>
+            </a:r>
+            <a:r>
+              <a:rPr lang="en-US" dirty="0" err="1"/>
+              <a:t>diretors</a:t>
+            </a:r>
+            <a:r>
+              <a:rPr lang="en-US" dirty="0"/>
+              <a:t> to enable them produce movies with potential high box office sales.</a:t>
+            </a:r>
+          </a:p>
+          <a:p>
+            <a:pPr marL="0" indent="0">
+              <a:buNone/>
+            </a:pPr>
+            <a:endParaRPr lang="en-US" dirty="0"/>
+          </a:p>
+          <a:p>
+            <a:endParaRPr lang="en-US" dirty="0"/>
+          </a:p>
+          <a:p>
+            <a:endParaRPr lang="en-US" dirty="0"/>
+          </a:p>
+          <a:p>
+            <a:endParaRPr lang="en-US" dirty="0"/>
+          </a:p>
+        </p:txBody>
+      </p:sp>
+    </p:spTree>
+    <p:extLst>
+      <p:ext uri="{BB962C8B-B14F-4D97-AF65-F5344CB8AC3E}">
+        <p14:creationId xmlns:p14="http://schemas.microsoft.com/office/powerpoint/2010/main" val="3525688165"/>
+      </p:ext>
+    </p:extLst>
+  </p:cSld>
+  <p:clrMapOvr>
+    <a:masterClrMapping/>
+  </p:clrMapOvr>
+</p:sld>
+</file>
+
+<file path=ppt/slides/slide17.xml><?xml version="1.0" encoding="utf-8"?>
+<p:sld xmlns:a="http://schemas.openxmlformats.org/drawingml/2006/main" xmlns:r="http://schemas.openxmlformats.org/officeDocument/2006/relationships" xmlns:p="http://schemas.openxmlformats.org/presentationml/2006/main">
+  <p:cSld>
+    <p:spTree>
+      <p:nvGrpSpPr>
+        <p:cNvPr id="1" name=""/>
+        <p:cNvGrpSpPr/>
+        <p:nvPr/>
+      </p:nvGrpSpPr>
+      <p:grpSpPr>
+        <a:xfrm>
+          <a:off x="0" y="0"/>
+          <a:ext cx="0" cy="0"/>
+          <a:chOff x="0" y="0"/>
+          <a:chExt cx="0" cy="0"/>
+        </a:xfrm>
+      </p:grpSpPr>
+      <p:sp>
+        <p:nvSpPr>
+          <p:cNvPr id="2" name="Title 1">
+            <a:extLst>
+              <a:ext uri="{FF2B5EF4-FFF2-40B4-BE49-F238E27FC236}">
+                <a16:creationId xmlns:a16="http://schemas.microsoft.com/office/drawing/2014/main" id="{B03ABF29-A5DB-41B7-9D52-6095604D4E06}"/>
+              </a:ext>
+            </a:extLst>
+          </p:cNvPr>
+          <p:cNvSpPr>
+            <a:spLocks noGrp="1"/>
+          </p:cNvSpPr>
+          <p:nvPr>
+            <p:ph type="title"/>
+          </p:nvPr>
+        </p:nvSpPr>
+        <p:spPr/>
+        <p:txBody>
+          <a:bodyPr/>
+          <a:lstStyle/>
+          <a:p>
+            <a:r>
+              <a:rPr lang="en-US" b="1" dirty="0">
+                <a:latin typeface="Algerian" panose="04020705040A02060702" pitchFamily="82" charset="0"/>
+              </a:rPr>
+              <a:t>NEXT STEPS</a:t>
+            </a:r>
+          </a:p>
+        </p:txBody>
+      </p:sp>
+      <p:sp>
+        <p:nvSpPr>
+          <p:cNvPr id="3" name="Content Placeholder 2">
+            <a:extLst>
+              <a:ext uri="{FF2B5EF4-FFF2-40B4-BE49-F238E27FC236}">
+                <a16:creationId xmlns:a16="http://schemas.microsoft.com/office/drawing/2014/main" id="{D9F6FAF8-3550-47E1-9A64-9F484EF81E6D}"/>
+              </a:ext>
+            </a:extLst>
+          </p:cNvPr>
+          <p:cNvSpPr>
+            <a:spLocks noGrp="1"/>
+          </p:cNvSpPr>
+          <p:nvPr>
+            <p:ph sz="half" idx="1"/>
+          </p:nvPr>
+        </p:nvSpPr>
+        <p:spPr/>
+        <p:txBody>
+          <a:bodyPr/>
+          <a:lstStyle/>
+          <a:p>
+            <a:pPr marL="514350" indent="-514350">
+              <a:buAutoNum type="arabicPeriod"/>
+            </a:pPr>
+            <a:r>
+              <a:rPr lang="en-US" dirty="0"/>
+              <a:t>Deep dive analysis into the Movie popularity ratings can be done to gain insights on other factors affecting the same  other than vote count.</a:t>
+            </a:r>
+          </a:p>
+          <a:p>
+            <a:pPr marL="514350" indent="-514350">
+              <a:buAutoNum type="arabicPeriod"/>
+            </a:pPr>
+            <a:r>
+              <a:rPr lang="en-US" dirty="0"/>
+              <a:t>Further exploratory analysis can be done on top movie directors to understand the movie genres  they specialize in producing.</a:t>
+            </a:r>
+          </a:p>
+        </p:txBody>
+      </p:sp>
+      <p:pic>
+        <p:nvPicPr>
+          <p:cNvPr id="1026" name="Picture 2" descr="6,300+ The Next Step Stock Photos ...">
+            <a:extLst>
+              <a:ext uri="{FF2B5EF4-FFF2-40B4-BE49-F238E27FC236}">
+                <a16:creationId xmlns:a16="http://schemas.microsoft.com/office/drawing/2014/main" id="{5ADB1A71-78F1-4B92-8D03-BCA8F23F898F}"/>
+              </a:ext>
+            </a:extLst>
+          </p:cNvPr>
+          <p:cNvPicPr>
+            <a:picLocks noGrp="1" noChangeAspect="1" noChangeArrowheads="1"/>
+          </p:cNvPicPr>
+          <p:nvPr>
+            <p:ph sz="half" idx="2"/>
+          </p:nvPr>
+        </p:nvPicPr>
+        <p:blipFill>
+          <a:blip r:embed="rId2">
+            <a:extLst>
+              <a:ext uri="{28A0092B-C50C-407E-A947-70E740481C1C}">
+                <a14:useLocalDpi xmlns:a14="http://schemas.microsoft.com/office/drawing/2010/main" val="0"/>
+              </a:ext>
+            </a:extLst>
+          </a:blip>
+          <a:srcRect/>
+          <a:stretch>
+            <a:fillRect/>
+          </a:stretch>
+        </p:blipFill>
+        <p:spPr bwMode="auto">
+          <a:xfrm>
+            <a:off x="6398568" y="1825625"/>
+            <a:ext cx="5375510" cy="4351338"/>
+          </a:xfrm>
+          <a:prstGeom prst="rect">
+            <a:avLst/>
+          </a:prstGeom>
+          <a:noFill/>
+          <a:extLst>
+            <a:ext uri="{909E8E84-426E-40DD-AFC4-6F175D3DCCD1}">
+              <a14:hiddenFill xmlns:a14="http://schemas.microsoft.com/office/drawing/2010/main">
+                <a:solidFill>
+                  <a:srgbClr val="FFFFFF"/>
+                </a:solidFill>
+              </a14:hiddenFill>
+            </a:ext>
+          </a:extLst>
+        </p:spPr>
+      </p:pic>
+    </p:spTree>
+    <p:extLst>
+      <p:ext uri="{BB962C8B-B14F-4D97-AF65-F5344CB8AC3E}">
+        <p14:creationId xmlns:p14="http://schemas.microsoft.com/office/powerpoint/2010/main" val="1936346133"/>
+      </p:ext>
+    </p:extLst>
+  </p:cSld>
+  <p:clrMapOvr>
+    <a:masterClrMapping/>
+  </p:clrMapOvr>
+</p:sld>
+</file>
+
+<file path=ppt/slides/slide18.xml><?xml version="1.0" encoding="utf-8"?>
+<p:sld xmlns:a="http://schemas.openxmlformats.org/drawingml/2006/main" xmlns:r="http://schemas.openxmlformats.org/officeDocument/2006/relationships" xmlns:p="http://schemas.openxmlformats.org/presentationml/2006/main">
+  <p:cSld>
+    <p:spTree>
+      <p:nvGrpSpPr>
+        <p:cNvPr id="1" name=""/>
+        <p:cNvGrpSpPr/>
+        <p:nvPr/>
+      </p:nvGrpSpPr>
+      <p:grpSpPr>
+        <a:xfrm>
+          <a:off x="0" y="0"/>
+          <a:ext cx="0" cy="0"/>
+          <a:chOff x="0" y="0"/>
+          <a:chExt cx="0" cy="0"/>
+        </a:xfrm>
+      </p:grpSpPr>
+      <p:sp>
+        <p:nvSpPr>
+          <p:cNvPr id="2" name="Title 1">
+            <a:extLst>
+              <a:ext uri="{FF2B5EF4-FFF2-40B4-BE49-F238E27FC236}">
+                <a16:creationId xmlns:a16="http://schemas.microsoft.com/office/drawing/2014/main" id="{D1D496FB-EB77-497E-9F84-32DE6DEB1054}"/>
+              </a:ext>
+            </a:extLst>
+          </p:cNvPr>
+          <p:cNvSpPr>
+            <a:spLocks noGrp="1"/>
+          </p:cNvSpPr>
+          <p:nvPr>
+            <p:ph type="title"/>
+          </p:nvPr>
+        </p:nvSpPr>
+        <p:spPr/>
+        <p:txBody>
+          <a:bodyPr/>
+          <a:lstStyle/>
+          <a:p>
+            <a:r>
+              <a:rPr lang="en-US" b="1" dirty="0">
+                <a:latin typeface="Algerian" panose="04020705040A02060702" pitchFamily="82" charset="0"/>
+              </a:rPr>
+              <a:t>ANY QUESTIONS??</a:t>
+            </a:r>
+          </a:p>
+        </p:txBody>
+      </p:sp>
+      <p:sp>
+        <p:nvSpPr>
+          <p:cNvPr id="4" name="Text Placeholder 3">
+            <a:extLst>
+              <a:ext uri="{FF2B5EF4-FFF2-40B4-BE49-F238E27FC236}">
+                <a16:creationId xmlns:a16="http://schemas.microsoft.com/office/drawing/2014/main" id="{0A839E6B-5308-4006-AAAB-8DDA3B59E5DB}"/>
+              </a:ext>
+            </a:extLst>
+          </p:cNvPr>
+          <p:cNvSpPr>
+            <a:spLocks noGrp="1"/>
+          </p:cNvSpPr>
+          <p:nvPr>
+            <p:ph type="body" sz="half" idx="2"/>
+          </p:nvPr>
+        </p:nvSpPr>
+        <p:spPr/>
+        <p:txBody>
+          <a:bodyPr/>
+          <a:lstStyle/>
+          <a:p>
+            <a:endParaRPr lang="en-US" dirty="0"/>
+          </a:p>
+        </p:txBody>
+      </p:sp>
+      <p:pic>
+        <p:nvPicPr>
+          <p:cNvPr id="2050" name="Picture 2" descr="Organic flat people asking questions Royalty Free Vector">
+            <a:extLst>
+              <a:ext uri="{FF2B5EF4-FFF2-40B4-BE49-F238E27FC236}">
+                <a16:creationId xmlns:a16="http://schemas.microsoft.com/office/drawing/2014/main" id="{30A4D1BB-81F5-4113-95BE-799324975C54}"/>
+              </a:ext>
+            </a:extLst>
+          </p:cNvPr>
+          <p:cNvPicPr>
+            <a:picLocks noGrp="1" noChangeAspect="1" noChangeArrowheads="1"/>
+          </p:cNvPicPr>
+          <p:nvPr>
+            <p:ph idx="1"/>
+          </p:nvPr>
+        </p:nvPicPr>
+        <p:blipFill>
+          <a:blip r:embed="rId2">
+            <a:extLst>
+              <a:ext uri="{28A0092B-C50C-407E-A947-70E740481C1C}">
+                <a14:useLocalDpi xmlns:a14="http://schemas.microsoft.com/office/drawing/2010/main" val="0"/>
+              </a:ext>
+            </a:extLst>
+          </a:blip>
+          <a:srcRect/>
+          <a:stretch>
+            <a:fillRect/>
+          </a:stretch>
+        </p:blipFill>
+        <p:spPr bwMode="auto">
+          <a:xfrm>
+            <a:off x="5731497" y="1345644"/>
+            <a:ext cx="5929460" cy="5041958"/>
+          </a:xfrm>
+          <a:prstGeom prst="rect">
+            <a:avLst/>
+          </a:prstGeom>
+          <a:noFill/>
+          <a:extLst>
+            <a:ext uri="{909E8E84-426E-40DD-AFC4-6F175D3DCCD1}">
+              <a14:hiddenFill xmlns:a14="http://schemas.microsoft.com/office/drawing/2010/main">
+                <a:solidFill>
+                  <a:srgbClr val="FFFFFF"/>
+                </a:solidFill>
+              </a14:hiddenFill>
+            </a:ext>
+          </a:extLst>
+        </p:spPr>
+      </p:pic>
+    </p:spTree>
+    <p:extLst>
+      <p:ext uri="{BB962C8B-B14F-4D97-AF65-F5344CB8AC3E}">
+        <p14:creationId xmlns:p14="http://schemas.microsoft.com/office/powerpoint/2010/main" val="123461276"/>
+      </p:ext>
+    </p:extLst>
+  </p:cSld>
+  <p:clrMapOvr>
+    <a:masterClrMapping/>
+  </p:clrMapOvr>
+</p:sld>
+</file>
+
+<file path=ppt/slides/slide19.xml><?xml version="1.0" encoding="utf-8"?>
+<p:sld xmlns:a="http://schemas.openxmlformats.org/drawingml/2006/main" xmlns:r="http://schemas.openxmlformats.org/officeDocument/2006/relationships" xmlns:p="http://schemas.openxmlformats.org/presentationml/2006/main">
+  <p:cSld>
+    <p:spTree>
+      <p:nvGrpSpPr>
+        <p:cNvPr id="1" name=""/>
+        <p:cNvGrpSpPr/>
+        <p:nvPr/>
+      </p:nvGrpSpPr>
+      <p:grpSpPr>
+        <a:xfrm>
+          <a:off x="0" y="0"/>
+          <a:ext cx="0" cy="0"/>
+          <a:chOff x="0" y="0"/>
+          <a:chExt cx="0" cy="0"/>
+        </a:xfrm>
+      </p:grpSpPr>
+      <p:pic>
+        <p:nvPicPr>
+          <p:cNvPr id="7172" name="Picture 4" descr="Thank You Emoji Images - Free Download ...">
+            <a:extLst>
+              <a:ext uri="{FF2B5EF4-FFF2-40B4-BE49-F238E27FC236}">
+                <a16:creationId xmlns:a16="http://schemas.microsoft.com/office/drawing/2014/main" id="{15EAB4F4-B49F-4C17-95BC-E62DA3BD973C}"/>
+              </a:ext>
+            </a:extLst>
+          </p:cNvPr>
+          <p:cNvPicPr>
+            <a:picLocks noChangeAspect="1" noChangeArrowheads="1"/>
+          </p:cNvPicPr>
+          <p:nvPr/>
+        </p:nvPicPr>
+        <p:blipFill>
+          <a:blip r:embed="rId2">
+            <a:extLst>
+              <a:ext uri="{28A0092B-C50C-407E-A947-70E740481C1C}">
+                <a14:useLocalDpi xmlns:a14="http://schemas.microsoft.com/office/drawing/2010/main" val="0"/>
+              </a:ext>
+            </a:extLst>
+          </a:blip>
+          <a:srcRect/>
+          <a:stretch>
+            <a:fillRect/>
+          </a:stretch>
+        </p:blipFill>
+        <p:spPr bwMode="auto">
+          <a:xfrm>
+            <a:off x="3355943" y="1575062"/>
+            <a:ext cx="4496585" cy="4094425"/>
+          </a:xfrm>
+          <a:prstGeom prst="rect">
+            <a:avLst/>
+          </a:prstGeom>
+          <a:noFill/>
+          <a:extLst>
+            <a:ext uri="{909E8E84-426E-40DD-AFC4-6F175D3DCCD1}">
+              <a14:hiddenFill xmlns:a14="http://schemas.microsoft.com/office/drawing/2010/main">
+                <a:solidFill>
+                  <a:srgbClr val="FFFFFF"/>
+                </a:solidFill>
+              </a14:hiddenFill>
+            </a:ext>
+          </a:extLst>
+        </p:spPr>
+      </p:pic>
+    </p:spTree>
+    <p:extLst>
+      <p:ext uri="{BB962C8B-B14F-4D97-AF65-F5344CB8AC3E}">
+        <p14:creationId xmlns:p14="http://schemas.microsoft.com/office/powerpoint/2010/main" val="3480255398"/>
       </p:ext>
     </p:extLst>
   </p:cSld>
@@ -4128,6 +4668,115 @@
     <p:extLst>
       <p:ext uri="{BB962C8B-B14F-4D97-AF65-F5344CB8AC3E}">
         <p14:creationId xmlns:p14="http://schemas.microsoft.com/office/powerpoint/2010/main" val="1212375561"/>
+      </p:ext>
+    </p:extLst>
+  </p:cSld>
+  <p:clrMapOvr>
+    <a:masterClrMapping/>
+  </p:clrMapOvr>
+</p:sld>
+</file>
+
+<file path=ppt/slides/slide20.xml><?xml version="1.0" encoding="utf-8"?>
+<p:sld xmlns:a="http://schemas.openxmlformats.org/drawingml/2006/main" xmlns:r="http://schemas.openxmlformats.org/officeDocument/2006/relationships" xmlns:p="http://schemas.openxmlformats.org/presentationml/2006/main">
+  <p:cSld>
+    <p:spTree>
+      <p:nvGrpSpPr>
+        <p:cNvPr id="1" name=""/>
+        <p:cNvGrpSpPr/>
+        <p:nvPr/>
+      </p:nvGrpSpPr>
+      <p:grpSpPr>
+        <a:xfrm>
+          <a:off x="0" y="0"/>
+          <a:ext cx="0" cy="0"/>
+          <a:chOff x="0" y="0"/>
+          <a:chExt cx="0" cy="0"/>
+        </a:xfrm>
+      </p:grpSpPr>
+      <p:sp>
+        <p:nvSpPr>
+          <p:cNvPr id="2" name="Title 1">
+            <a:extLst>
+              <a:ext uri="{FF2B5EF4-FFF2-40B4-BE49-F238E27FC236}">
+                <a16:creationId xmlns:a16="http://schemas.microsoft.com/office/drawing/2014/main" id="{DEB442A9-FE96-488C-A9FC-32AF74871CF1}"/>
+              </a:ext>
+            </a:extLst>
+          </p:cNvPr>
+          <p:cNvSpPr>
+            <a:spLocks noGrp="1"/>
+          </p:cNvSpPr>
+          <p:nvPr>
+            <p:ph type="title"/>
+          </p:nvPr>
+        </p:nvSpPr>
+        <p:spPr/>
+        <p:txBody>
+          <a:bodyPr/>
+          <a:lstStyle/>
+          <a:p>
+            <a:r>
+              <a:rPr lang="en-US" b="1" dirty="0">
+                <a:latin typeface="Algerian" panose="04020705040A02060702" pitchFamily="82" charset="0"/>
+              </a:rPr>
+              <a:t>PHASE 1 PROJECT COMPLETED</a:t>
+            </a:r>
+          </a:p>
+        </p:txBody>
+      </p:sp>
+      <p:pic>
+        <p:nvPicPr>
+          <p:cNvPr id="5124" name="Picture 4" descr="Never Watched One Piece — 547-548: &quot;Back to the Present! Hordy Makes a...">
+            <a:extLst>
+              <a:ext uri="{FF2B5EF4-FFF2-40B4-BE49-F238E27FC236}">
+                <a16:creationId xmlns:a16="http://schemas.microsoft.com/office/drawing/2014/main" id="{BB8B12E6-BC0F-473C-882B-68A208E66537}"/>
+              </a:ext>
+            </a:extLst>
+          </p:cNvPr>
+          <p:cNvPicPr>
+            <a:picLocks noGrp="1" noChangeAspect="1" noChangeArrowheads="1"/>
+          </p:cNvPicPr>
+          <p:nvPr>
+            <p:ph idx="1"/>
+          </p:nvPr>
+        </p:nvPicPr>
+        <p:blipFill>
+          <a:blip r:embed="rId2">
+            <a:extLst>
+              <a:ext uri="{28A0092B-C50C-407E-A947-70E740481C1C}">
+                <a14:useLocalDpi xmlns:a14="http://schemas.microsoft.com/office/drawing/2010/main" val="0"/>
+              </a:ext>
+            </a:extLst>
+          </a:blip>
+          <a:srcRect/>
+          <a:stretch>
+            <a:fillRect/>
+          </a:stretch>
+        </p:blipFill>
+        <p:spPr bwMode="auto">
+          <a:xfrm>
+            <a:off x="2450970" y="2178369"/>
+            <a:ext cx="5983418" cy="3381932"/>
+          </a:xfrm>
+          <a:prstGeom prst="rect">
+            <a:avLst/>
+          </a:prstGeom>
+          <a:noFill/>
+          <a:extLst>
+            <a:ext uri="{909E8E84-426E-40DD-AFC4-6F175D3DCCD1}">
+              <a14:hiddenFill xmlns:a14="http://schemas.microsoft.com/office/drawing/2010/main">
+                <a:solidFill>
+                  <a:srgbClr val="FFFFFF"/>
+                </a:solidFill>
+              </a14:hiddenFill>
+            </a:ext>
+          </a:extLst>
+        </p:spPr>
+      </p:pic>
+    </p:spTree>
+    <p:extLst>
+      <p:ext uri="{BB962C8B-B14F-4D97-AF65-F5344CB8AC3E}">
+        <p14:creationId xmlns:p14="http://schemas.microsoft.com/office/powerpoint/2010/main" val="3200379574"/>
       </p:ext>
     </p:extLst>
   </p:cSld>

--- a/PHASE1PPT.pptx
+++ b/PHASE1PPT.pptx
@@ -4145,6 +4145,9 @@
           <a:bodyPr/>
           <a:lstStyle/>
           <a:p>
+            <a:pPr marL="0" indent="0">
+              <a:buNone/>
+            </a:pPr>
             <a:r>
               <a:rPr lang="en-US" dirty="0"/>
               <a:t>2. The Production budget should be within $200,000,000 since production budgets beyond this amount don't have a strong                  </a:t>
@@ -4159,6 +4162,9 @@
             </a:r>
           </a:p>
           <a:p>
+            <a:pPr marL="0" indent="0">
+              <a:buNone/>
+            </a:pPr>
             <a:r>
               <a:rPr lang="en-US" dirty="0"/>
               <a:t>3. Microsoft should take measures like sending reminder emails to ensures audience submit votes for their movies for their are likely to increase movie popularity and thus movie profitability.</a:t>
@@ -4181,15 +4187,7 @@
             </a:r>
             <a:r>
               <a:rPr lang="en-US" dirty="0"/>
-              <a:t> with top </a:t>
-            </a:r>
-            <a:r>
-              <a:rPr lang="en-US" dirty="0" err="1"/>
-              <a:t>diretors</a:t>
-            </a:r>
-            <a:r>
-              <a:rPr lang="en-US" dirty="0"/>
-              <a:t> to enable them produce movies with potential high box office sales.</a:t>
+              <a:t> with top directors to enable them produce movies with potential high box office sales.</a:t>
             </a:r>
           </a:p>
           <a:p>
